--- a/azure-migration-tools/images/figures.pptx
+++ b/azure-migration-tools/images/figures.pptx
@@ -6,6 +6,7 @@
   </p:sldMasterIdLst>
   <p:sldIdLst>
     <p:sldId id="256" r:id="rId2"/>
+    <p:sldId id="257" r:id="rId3"/>
   </p:sldIdLst>
   <p:sldSz cx="12192000" cy="6858000"/>
   <p:notesSz cx="6858000" cy="9144000"/>
@@ -6041,6 +6042,1174 @@
 </p:sld>
 </file>
 
+<file path=ppt/slides/slide2.xml><?xml version="1.0" encoding="utf-8"?>
+<p:sld xmlns:a="http://schemas.openxmlformats.org/drawingml/2006/main" xmlns:r="http://schemas.openxmlformats.org/officeDocument/2006/relationships" xmlns:p="http://schemas.openxmlformats.org/presentationml/2006/main">
+  <p:cSld>
+    <p:spTree>
+      <p:nvGrpSpPr>
+        <p:cNvPr id="1" name=""/>
+        <p:cNvGrpSpPr/>
+        <p:nvPr/>
+      </p:nvGrpSpPr>
+      <p:grpSpPr>
+        <a:xfrm>
+          <a:off x="0" y="0"/>
+          <a:ext cx="0" cy="0"/>
+          <a:chOff x="0" y="0"/>
+          <a:chExt cx="0" cy="0"/>
+        </a:xfrm>
+      </p:grpSpPr>
+      <p:sp>
+        <p:nvSpPr>
+          <p:cNvPr id="18" name="正方形/長方形 17">
+            <a:extLst>
+              <a:ext uri="{FF2B5EF4-FFF2-40B4-BE49-F238E27FC236}">
+                <a16:creationId xmlns:a16="http://schemas.microsoft.com/office/drawing/2014/main" id="{5AF78178-92FC-4652-A212-92E85C199846}"/>
+              </a:ext>
+            </a:extLst>
+          </p:cNvPr>
+          <p:cNvSpPr/>
+          <p:nvPr/>
+        </p:nvSpPr>
+        <p:spPr bwMode="auto">
+          <a:xfrm>
+            <a:off x="126453" y="1780781"/>
+            <a:ext cx="11916976" cy="4271495"/>
+          </a:xfrm>
+          <a:prstGeom prst="rect">
+            <a:avLst/>
+          </a:prstGeom>
+          <a:ln>
+            <a:noFill/>
+            <a:headEnd type="none" w="med" len="med"/>
+            <a:tailEnd type="none" w="med" len="med"/>
+          </a:ln>
+          <a:effectLst>
+            <a:outerShdw blurRad="50800" dist="38100" dir="2700000" algn="tl" rotWithShape="0">
+              <a:prstClr val="black">
+                <a:alpha val="40000"/>
+              </a:prstClr>
+            </a:outerShdw>
+          </a:effectLst>
+        </p:spPr>
+        <p:style>
+          <a:lnRef idx="2">
+            <a:schemeClr val="accent3"/>
+          </a:lnRef>
+          <a:fillRef idx="1">
+            <a:schemeClr val="lt1"/>
+          </a:fillRef>
+          <a:effectRef idx="0">
+            <a:schemeClr val="accent3"/>
+          </a:effectRef>
+          <a:fontRef idx="minor">
+            <a:schemeClr val="dk1"/>
+          </a:fontRef>
+        </p:style>
+        <p:txBody>
+          <a:bodyPr rot="0" spcFirstLastPara="0" vertOverflow="overflow" horzOverflow="overflow" vert="horz" wrap="square" lIns="182880" tIns="146304" rIns="182880" bIns="146304" numCol="1" spcCol="0" rtlCol="0" fromWordArt="0" anchor="ctr" anchorCtr="0" forceAA="0" compatLnSpc="1">
+            <a:prstTxWarp prst="textNoShape">
+              <a:avLst/>
+            </a:prstTxWarp>
+            <a:noAutofit/>
+          </a:bodyPr>
+          <a:lstStyle/>
+          <a:p>
+            <a:pPr algn="ctr" defTabSz="932472" fontAlgn="base">
+              <a:lnSpc>
+                <a:spcPct val="90000"/>
+              </a:lnSpc>
+              <a:spcBef>
+                <a:spcPct val="0"/>
+              </a:spcBef>
+              <a:spcAft>
+                <a:spcPct val="0"/>
+              </a:spcAft>
+            </a:pPr>
+            <a:endParaRPr kumimoji="1" lang="ja-JP" altLang="en-US" dirty="0">
+              <a:solidFill>
+                <a:schemeClr val="tx2"/>
+              </a:solidFill>
+              <a:cs typeface="Segoe UI" pitchFamily="34" charset="0"/>
+            </a:endParaRPr>
+          </a:p>
+        </p:txBody>
+      </p:sp>
+      <p:pic>
+        <p:nvPicPr>
+          <p:cNvPr id="2" name="図 1">
+            <a:extLst>
+              <a:ext uri="{FF2B5EF4-FFF2-40B4-BE49-F238E27FC236}">
+                <a16:creationId xmlns:a16="http://schemas.microsoft.com/office/drawing/2014/main" id="{2B19018C-0487-4DD9-B3CE-B4562F4EBBAE}"/>
+              </a:ext>
+            </a:extLst>
+          </p:cNvPr>
+          <p:cNvPicPr>
+            <a:picLocks noChangeAspect="1"/>
+          </p:cNvPicPr>
+          <p:nvPr/>
+        </p:nvPicPr>
+        <p:blipFill rotWithShape="1">
+          <a:blip r:embed="rId2"/>
+          <a:srcRect r="22616"/>
+          <a:stretch/>
+        </p:blipFill>
+        <p:spPr>
+          <a:xfrm>
+            <a:off x="4346857" y="2269967"/>
+            <a:ext cx="3704232" cy="3075582"/>
+          </a:xfrm>
+          <a:prstGeom prst="rect">
+            <a:avLst/>
+          </a:prstGeom>
+          <a:ln>
+            <a:noFill/>
+          </a:ln>
+          <a:effectLst>
+            <a:outerShdw blurRad="292100" dist="139700" dir="2700000" algn="tl" rotWithShape="0">
+              <a:srgbClr val="333333">
+                <a:alpha val="65000"/>
+              </a:srgbClr>
+            </a:outerShdw>
+          </a:effectLst>
+        </p:spPr>
+      </p:pic>
+      <p:pic>
+        <p:nvPicPr>
+          <p:cNvPr id="3" name="図 2">
+            <a:extLst>
+              <a:ext uri="{FF2B5EF4-FFF2-40B4-BE49-F238E27FC236}">
+                <a16:creationId xmlns:a16="http://schemas.microsoft.com/office/drawing/2014/main" id="{51EF1403-E445-46D8-8220-C75127A438F6}"/>
+              </a:ext>
+            </a:extLst>
+          </p:cNvPr>
+          <p:cNvPicPr>
+            <a:picLocks noChangeAspect="1"/>
+          </p:cNvPicPr>
+          <p:nvPr/>
+        </p:nvPicPr>
+        <p:blipFill rotWithShape="1">
+          <a:blip r:embed="rId3"/>
+          <a:srcRect r="28439"/>
+          <a:stretch/>
+        </p:blipFill>
+        <p:spPr>
+          <a:xfrm>
+            <a:off x="8349374" y="2269967"/>
+            <a:ext cx="3426740" cy="3075975"/>
+          </a:xfrm>
+          <a:prstGeom prst="rect">
+            <a:avLst/>
+          </a:prstGeom>
+          <a:ln>
+            <a:noFill/>
+          </a:ln>
+          <a:effectLst>
+            <a:outerShdw blurRad="292100" dist="139700" dir="2700000" algn="tl" rotWithShape="0">
+              <a:srgbClr val="333333">
+                <a:alpha val="65000"/>
+              </a:srgbClr>
+            </a:outerShdw>
+          </a:effectLst>
+        </p:spPr>
+      </p:pic>
+      <p:sp>
+        <p:nvSpPr>
+          <p:cNvPr id="4" name="テキスト ボックス 3">
+            <a:extLst>
+              <a:ext uri="{FF2B5EF4-FFF2-40B4-BE49-F238E27FC236}">
+                <a16:creationId xmlns:a16="http://schemas.microsoft.com/office/drawing/2014/main" id="{CF4D4A60-F3A5-4517-B1C9-FC58F366AD0E}"/>
+              </a:ext>
+            </a:extLst>
+          </p:cNvPr>
+          <p:cNvSpPr txBox="1"/>
+          <p:nvPr/>
+        </p:nvSpPr>
+        <p:spPr>
+          <a:xfrm>
+            <a:off x="5556649" y="5405664"/>
+            <a:ext cx="1284647" cy="464294"/>
+          </a:xfrm>
+          <a:prstGeom prst="rect">
+            <a:avLst/>
+          </a:prstGeom>
+          <a:noFill/>
+        </p:spPr>
+        <p:txBody>
+          <a:bodyPr wrap="none" lIns="182880" tIns="146304" rIns="182880" bIns="146304" rtlCol="0">
+            <a:spAutoFit/>
+          </a:bodyPr>
+          <a:lstStyle/>
+          <a:p>
+            <a:pPr algn="l">
+              <a:lnSpc>
+                <a:spcPct val="90000"/>
+              </a:lnSpc>
+              <a:spcAft>
+                <a:spcPts val="600"/>
+              </a:spcAft>
+            </a:pPr>
+            <a:r>
+              <a:rPr kumimoji="1" lang="ja-JP" altLang="en-US" sz="1200" dirty="0">
+                <a:gradFill>
+                  <a:gsLst>
+                    <a:gs pos="2917">
+                      <a:schemeClr val="tx1"/>
+                    </a:gs>
+                    <a:gs pos="30000">
+                      <a:schemeClr val="tx1"/>
+                    </a:gs>
+                  </a:gsLst>
+                  <a:lin ang="5400000" scaled="0"/>
+                </a:gradFill>
+              </a:rPr>
+              <a:t>移行性の評価</a:t>
+            </a:r>
+          </a:p>
+        </p:txBody>
+      </p:sp>
+      <p:sp>
+        <p:nvSpPr>
+          <p:cNvPr id="5" name="テキスト ボックス 4">
+            <a:extLst>
+              <a:ext uri="{FF2B5EF4-FFF2-40B4-BE49-F238E27FC236}">
+                <a16:creationId xmlns:a16="http://schemas.microsoft.com/office/drawing/2014/main" id="{EA3E6574-1393-4476-B979-0C56B705A89B}"/>
+              </a:ext>
+            </a:extLst>
+          </p:cNvPr>
+          <p:cNvSpPr txBox="1"/>
+          <p:nvPr/>
+        </p:nvSpPr>
+        <p:spPr>
+          <a:xfrm>
+            <a:off x="8988411" y="5405664"/>
+            <a:ext cx="2148665" cy="464294"/>
+          </a:xfrm>
+          <a:prstGeom prst="rect">
+            <a:avLst/>
+          </a:prstGeom>
+          <a:noFill/>
+        </p:spPr>
+        <p:txBody>
+          <a:bodyPr wrap="none" lIns="182880" tIns="146304" rIns="182880" bIns="146304" rtlCol="0">
+            <a:spAutoFit/>
+          </a:bodyPr>
+          <a:lstStyle/>
+          <a:p>
+            <a:pPr algn="l">
+              <a:lnSpc>
+                <a:spcPct val="90000"/>
+              </a:lnSpc>
+              <a:spcAft>
+                <a:spcPts val="600"/>
+              </a:spcAft>
+            </a:pPr>
+            <a:r>
+              <a:rPr kumimoji="1" lang="ja-JP" altLang="en-US" sz="1200" dirty="0">
+                <a:gradFill>
+                  <a:gsLst>
+                    <a:gs pos="2917">
+                      <a:schemeClr val="tx1"/>
+                    </a:gs>
+                    <a:gs pos="30000">
+                      <a:schemeClr val="tx1"/>
+                    </a:gs>
+                  </a:gsLst>
+                  <a:lin ang="5400000" scaled="0"/>
+                </a:gradFill>
+              </a:rPr>
+              <a:t>移行先の </a:t>
+            </a:r>
+            <a:r>
+              <a:rPr kumimoji="1" lang="en-US" altLang="ja-JP" sz="1200" dirty="0">
+                <a:gradFill>
+                  <a:gsLst>
+                    <a:gs pos="2917">
+                      <a:schemeClr val="tx1"/>
+                    </a:gs>
+                    <a:gs pos="30000">
+                      <a:schemeClr val="tx1"/>
+                    </a:gs>
+                  </a:gsLst>
+                  <a:lin ang="5400000" scaled="0"/>
+                </a:gradFill>
+              </a:rPr>
+              <a:t>WebApp</a:t>
+            </a:r>
+            <a:r>
+              <a:rPr kumimoji="1" lang="ja-JP" altLang="en-US" sz="1200" dirty="0">
+                <a:gradFill>
+                  <a:gsLst>
+                    <a:gs pos="2917">
+                      <a:schemeClr val="tx1"/>
+                    </a:gs>
+                    <a:gs pos="30000">
+                      <a:schemeClr val="tx1"/>
+                    </a:gs>
+                  </a:gsLst>
+                  <a:lin ang="5400000" scaled="0"/>
+                </a:gradFill>
+              </a:rPr>
+              <a:t> の指定</a:t>
+            </a:r>
+          </a:p>
+        </p:txBody>
+      </p:sp>
+      <p:sp>
+        <p:nvSpPr>
+          <p:cNvPr id="6" name="正方形/長方形 5">
+            <a:extLst>
+              <a:ext uri="{FF2B5EF4-FFF2-40B4-BE49-F238E27FC236}">
+                <a16:creationId xmlns:a16="http://schemas.microsoft.com/office/drawing/2014/main" id="{5135C1DB-1DED-48F2-B310-09535EE9063D}"/>
+              </a:ext>
+            </a:extLst>
+          </p:cNvPr>
+          <p:cNvSpPr/>
+          <p:nvPr/>
+        </p:nvSpPr>
+        <p:spPr bwMode="auto">
+          <a:xfrm>
+            <a:off x="542060" y="3728477"/>
+            <a:ext cx="3607034" cy="1591727"/>
+          </a:xfrm>
+          <a:prstGeom prst="rect">
+            <a:avLst/>
+          </a:prstGeom>
+          <a:ln>
+            <a:headEnd type="none" w="med" len="med"/>
+            <a:tailEnd type="none" w="med" len="med"/>
+          </a:ln>
+        </p:spPr>
+        <p:style>
+          <a:lnRef idx="2">
+            <a:schemeClr val="accent1"/>
+          </a:lnRef>
+          <a:fillRef idx="1">
+            <a:schemeClr val="lt1"/>
+          </a:fillRef>
+          <a:effectRef idx="0">
+            <a:schemeClr val="accent1"/>
+          </a:effectRef>
+          <a:fontRef idx="minor">
+            <a:schemeClr val="dk1"/>
+          </a:fontRef>
+        </p:style>
+        <p:txBody>
+          <a:bodyPr rot="0" spcFirstLastPara="0" vertOverflow="overflow" horzOverflow="overflow" vert="horz" wrap="square" lIns="182880" tIns="146304" rIns="182880" bIns="146304" numCol="1" spcCol="0" rtlCol="0" fromWordArt="0" anchor="ctr" anchorCtr="0" forceAA="0" compatLnSpc="1">
+            <a:prstTxWarp prst="textNoShape">
+              <a:avLst/>
+            </a:prstTxWarp>
+            <a:noAutofit/>
+          </a:bodyPr>
+          <a:lstStyle/>
+          <a:p>
+            <a:pPr algn="ctr" defTabSz="932472" fontAlgn="base">
+              <a:lnSpc>
+                <a:spcPct val="90000"/>
+              </a:lnSpc>
+              <a:spcBef>
+                <a:spcPct val="0"/>
+              </a:spcBef>
+              <a:spcAft>
+                <a:spcPct val="0"/>
+              </a:spcAft>
+            </a:pPr>
+            <a:endParaRPr kumimoji="1" lang="ja-JP" altLang="en-US" dirty="0">
+              <a:solidFill>
+                <a:schemeClr val="tx2"/>
+              </a:solidFill>
+              <a:cs typeface="Segoe UI" pitchFamily="34" charset="0"/>
+            </a:endParaRPr>
+          </a:p>
+        </p:txBody>
+      </p:sp>
+      <p:pic>
+        <p:nvPicPr>
+          <p:cNvPr id="7" name="図 6" descr="座る, フロント, テーブル, コンピュータ が含まれている画像&#10;&#10;自動的に生成された説明">
+            <a:extLst>
+              <a:ext uri="{FF2B5EF4-FFF2-40B4-BE49-F238E27FC236}">
+                <a16:creationId xmlns:a16="http://schemas.microsoft.com/office/drawing/2014/main" id="{4A78DDA6-FEAE-42E8-936D-0E858EB710A1}"/>
+              </a:ext>
+            </a:extLst>
+          </p:cNvPr>
+          <p:cNvPicPr>
+            <a:picLocks noChangeAspect="1"/>
+          </p:cNvPicPr>
+          <p:nvPr/>
+        </p:nvPicPr>
+        <p:blipFill>
+          <a:blip r:embed="rId4"/>
+          <a:stretch>
+            <a:fillRect/>
+          </a:stretch>
+        </p:blipFill>
+        <p:spPr>
+          <a:xfrm>
+            <a:off x="373257" y="4867555"/>
+            <a:ext cx="419768" cy="619725"/>
+          </a:xfrm>
+          <a:prstGeom prst="rect">
+            <a:avLst/>
+          </a:prstGeom>
+        </p:spPr>
+      </p:pic>
+      <p:sp>
+        <p:nvSpPr>
+          <p:cNvPr id="8" name="四角形: 角を丸くする 7">
+            <a:extLst>
+              <a:ext uri="{FF2B5EF4-FFF2-40B4-BE49-F238E27FC236}">
+                <a16:creationId xmlns:a16="http://schemas.microsoft.com/office/drawing/2014/main" id="{388418E9-5DB2-4965-86FA-91C6FBDF98A3}"/>
+              </a:ext>
+            </a:extLst>
+          </p:cNvPr>
+          <p:cNvSpPr/>
+          <p:nvPr/>
+        </p:nvSpPr>
+        <p:spPr bwMode="auto">
+          <a:xfrm>
+            <a:off x="736589" y="4157592"/>
+            <a:ext cx="1217066" cy="755703"/>
+          </a:xfrm>
+          <a:prstGeom prst="roundRect">
+            <a:avLst/>
+          </a:prstGeom>
+          <a:ln>
+            <a:headEnd type="none" w="med" len="med"/>
+            <a:tailEnd type="none" w="med" len="med"/>
+          </a:ln>
+        </p:spPr>
+        <p:style>
+          <a:lnRef idx="3">
+            <a:schemeClr val="lt1"/>
+          </a:lnRef>
+          <a:fillRef idx="1">
+            <a:schemeClr val="accent1"/>
+          </a:fillRef>
+          <a:effectRef idx="1">
+            <a:schemeClr val="accent1"/>
+          </a:effectRef>
+          <a:fontRef idx="minor">
+            <a:schemeClr val="lt1"/>
+          </a:fontRef>
+        </p:style>
+        <p:txBody>
+          <a:bodyPr rot="0" spcFirstLastPara="0" vertOverflow="overflow" horzOverflow="overflow" vert="horz" wrap="none" lIns="182880" tIns="146304" rIns="182880" bIns="146304" numCol="1" spcCol="0" rtlCol="0" fromWordArt="0" anchor="ctr" anchorCtr="0" forceAA="0" compatLnSpc="1">
+            <a:prstTxWarp prst="textNoShape">
+              <a:avLst/>
+            </a:prstTxWarp>
+            <a:noAutofit/>
+          </a:bodyPr>
+          <a:lstStyle/>
+          <a:p>
+            <a:pPr algn="ctr" defTabSz="932472" fontAlgn="base">
+              <a:lnSpc>
+                <a:spcPct val="90000"/>
+              </a:lnSpc>
+              <a:spcBef>
+                <a:spcPct val="0"/>
+              </a:spcBef>
+              <a:spcAft>
+                <a:spcPct val="0"/>
+              </a:spcAft>
+            </a:pPr>
+            <a:r>
+              <a:rPr kumimoji="1" lang="en-US" altLang="ja-JP" sz="1200" dirty="0">
+                <a:solidFill>
+                  <a:schemeClr val="bg1"/>
+                </a:solidFill>
+                <a:cs typeface="Segoe UI" pitchFamily="34" charset="0"/>
+              </a:rPr>
+              <a:t>App</a:t>
+            </a:r>
+            <a:r>
+              <a:rPr kumimoji="1" lang="ja-JP" altLang="en-US" sz="1200" dirty="0">
+                <a:solidFill>
+                  <a:schemeClr val="bg1"/>
+                </a:solidFill>
+                <a:cs typeface="Segoe UI" pitchFamily="34" charset="0"/>
+              </a:rPr>
+              <a:t> </a:t>
+            </a:r>
+            <a:r>
+              <a:rPr kumimoji="1" lang="en-US" altLang="ja-JP" sz="1200" dirty="0">
+                <a:solidFill>
+                  <a:schemeClr val="bg1"/>
+                </a:solidFill>
+                <a:cs typeface="Segoe UI" pitchFamily="34" charset="0"/>
+              </a:rPr>
+              <a:t>Service</a:t>
+            </a:r>
+            <a:br>
+              <a:rPr kumimoji="1" lang="en-US" altLang="ja-JP" sz="1200" dirty="0">
+                <a:solidFill>
+                  <a:schemeClr val="bg1"/>
+                </a:solidFill>
+                <a:cs typeface="Segoe UI" pitchFamily="34" charset="0"/>
+              </a:rPr>
+            </a:br>
+            <a:r>
+              <a:rPr kumimoji="1" lang="en-US" altLang="ja-JP" sz="1200" dirty="0">
+                <a:solidFill>
+                  <a:schemeClr val="bg1"/>
+                </a:solidFill>
+                <a:cs typeface="Segoe UI" pitchFamily="34" charset="0"/>
+              </a:rPr>
+              <a:t>Migration</a:t>
+            </a:r>
+            <a:r>
+              <a:rPr kumimoji="1" lang="ja-JP" altLang="en-US" sz="1200" dirty="0">
+                <a:solidFill>
+                  <a:schemeClr val="bg1"/>
+                </a:solidFill>
+                <a:cs typeface="Segoe UI" pitchFamily="34" charset="0"/>
+              </a:rPr>
+              <a:t> </a:t>
+            </a:r>
+            <a:endParaRPr kumimoji="1" lang="en-US" altLang="ja-JP" sz="1200" dirty="0">
+              <a:solidFill>
+                <a:schemeClr val="bg1"/>
+              </a:solidFill>
+              <a:cs typeface="Segoe UI" pitchFamily="34" charset="0"/>
+            </a:endParaRPr>
+          </a:p>
+          <a:p>
+            <a:pPr algn="ctr" defTabSz="932472" fontAlgn="base">
+              <a:lnSpc>
+                <a:spcPct val="90000"/>
+              </a:lnSpc>
+              <a:spcBef>
+                <a:spcPct val="0"/>
+              </a:spcBef>
+              <a:spcAft>
+                <a:spcPct val="0"/>
+              </a:spcAft>
+            </a:pPr>
+            <a:r>
+              <a:rPr kumimoji="1" lang="en-US" altLang="ja-JP" sz="1200" dirty="0">
+                <a:solidFill>
+                  <a:schemeClr val="bg1"/>
+                </a:solidFill>
+                <a:cs typeface="Segoe UI" pitchFamily="34" charset="0"/>
+              </a:rPr>
+              <a:t>Assistant</a:t>
+            </a:r>
+            <a:endParaRPr kumimoji="1" lang="ja-JP" altLang="en-US" sz="1200" dirty="0">
+              <a:solidFill>
+                <a:schemeClr val="bg1"/>
+              </a:solidFill>
+              <a:cs typeface="Segoe UI" pitchFamily="34" charset="0"/>
+            </a:endParaRPr>
+          </a:p>
+        </p:txBody>
+      </p:sp>
+      <p:sp>
+        <p:nvSpPr>
+          <p:cNvPr id="9" name="四角形: 角を丸くする 8">
+            <a:extLst>
+              <a:ext uri="{FF2B5EF4-FFF2-40B4-BE49-F238E27FC236}">
+                <a16:creationId xmlns:a16="http://schemas.microsoft.com/office/drawing/2014/main" id="{8462E717-B74E-476D-8C7C-872CB428C44B}"/>
+              </a:ext>
+            </a:extLst>
+          </p:cNvPr>
+          <p:cNvSpPr/>
+          <p:nvPr/>
+        </p:nvSpPr>
+        <p:spPr bwMode="auto">
+          <a:xfrm>
+            <a:off x="2894787" y="4779847"/>
+            <a:ext cx="1096987" cy="337106"/>
+          </a:xfrm>
+          <a:prstGeom prst="roundRect">
+            <a:avLst/>
+          </a:prstGeom>
+          <a:ln>
+            <a:headEnd type="none" w="med" len="med"/>
+            <a:tailEnd type="none" w="med" len="med"/>
+          </a:ln>
+        </p:spPr>
+        <p:style>
+          <a:lnRef idx="1">
+            <a:schemeClr val="accent1"/>
+          </a:lnRef>
+          <a:fillRef idx="2">
+            <a:schemeClr val="accent1"/>
+          </a:fillRef>
+          <a:effectRef idx="1">
+            <a:schemeClr val="accent1"/>
+          </a:effectRef>
+          <a:fontRef idx="minor">
+            <a:schemeClr val="dk1"/>
+          </a:fontRef>
+        </p:style>
+        <p:txBody>
+          <a:bodyPr rot="0" spcFirstLastPara="0" vertOverflow="overflow" horzOverflow="overflow" vert="horz" wrap="none" lIns="182880" tIns="146304" rIns="182880" bIns="146304" numCol="1" spcCol="0" rtlCol="0" fromWordArt="0" anchor="ctr" anchorCtr="0" forceAA="0" compatLnSpc="1">
+            <a:prstTxWarp prst="textNoShape">
+              <a:avLst/>
+            </a:prstTxWarp>
+            <a:noAutofit/>
+          </a:bodyPr>
+          <a:lstStyle/>
+          <a:p>
+            <a:pPr algn="ctr" defTabSz="932472" fontAlgn="base">
+              <a:lnSpc>
+                <a:spcPct val="90000"/>
+              </a:lnSpc>
+              <a:spcBef>
+                <a:spcPct val="0"/>
+              </a:spcBef>
+              <a:spcAft>
+                <a:spcPct val="0"/>
+              </a:spcAft>
+            </a:pPr>
+            <a:r>
+              <a:rPr kumimoji="1" lang="en-US" altLang="ja-JP" sz="1200" dirty="0">
+                <a:solidFill>
+                  <a:schemeClr val="tx2"/>
+                </a:solidFill>
+                <a:cs typeface="Segoe UI" pitchFamily="34" charset="0"/>
+              </a:rPr>
+              <a:t>IIS</a:t>
+            </a:r>
+            <a:endParaRPr kumimoji="1" lang="ja-JP" altLang="en-US" sz="1200" dirty="0">
+              <a:solidFill>
+                <a:schemeClr val="tx2"/>
+              </a:solidFill>
+              <a:cs typeface="Segoe UI" pitchFamily="34" charset="0"/>
+            </a:endParaRPr>
+          </a:p>
+        </p:txBody>
+      </p:sp>
+      <p:sp>
+        <p:nvSpPr>
+          <p:cNvPr id="10" name="四角形: 角を丸くする 9">
+            <a:extLst>
+              <a:ext uri="{FF2B5EF4-FFF2-40B4-BE49-F238E27FC236}">
+                <a16:creationId xmlns:a16="http://schemas.microsoft.com/office/drawing/2014/main" id="{82513212-07FF-4688-B7D2-D054DA9C4D9C}"/>
+              </a:ext>
+            </a:extLst>
+          </p:cNvPr>
+          <p:cNvSpPr/>
+          <p:nvPr/>
+        </p:nvSpPr>
+        <p:spPr bwMode="auto">
+          <a:xfrm>
+            <a:off x="2894788" y="4366891"/>
+            <a:ext cx="1096987" cy="337106"/>
+          </a:xfrm>
+          <a:prstGeom prst="roundRect">
+            <a:avLst/>
+          </a:prstGeom>
+          <a:ln>
+            <a:headEnd type="none" w="med" len="med"/>
+            <a:tailEnd type="none" w="med" len="med"/>
+          </a:ln>
+        </p:spPr>
+        <p:style>
+          <a:lnRef idx="1">
+            <a:schemeClr val="accent1"/>
+          </a:lnRef>
+          <a:fillRef idx="2">
+            <a:schemeClr val="accent1"/>
+          </a:fillRef>
+          <a:effectRef idx="1">
+            <a:schemeClr val="accent1"/>
+          </a:effectRef>
+          <a:fontRef idx="minor">
+            <a:schemeClr val="dk1"/>
+          </a:fontRef>
+        </p:style>
+        <p:txBody>
+          <a:bodyPr rot="0" spcFirstLastPara="0" vertOverflow="overflow" horzOverflow="overflow" vert="horz" wrap="none" lIns="182880" tIns="146304" rIns="182880" bIns="146304" numCol="1" spcCol="0" rtlCol="0" fromWordArt="0" anchor="ctr" anchorCtr="0" forceAA="0" compatLnSpc="1">
+            <a:prstTxWarp prst="textNoShape">
+              <a:avLst/>
+            </a:prstTxWarp>
+            <a:noAutofit/>
+          </a:bodyPr>
+          <a:lstStyle/>
+          <a:p>
+            <a:pPr algn="ctr" defTabSz="932472" fontAlgn="base">
+              <a:lnSpc>
+                <a:spcPct val="90000"/>
+              </a:lnSpc>
+              <a:spcBef>
+                <a:spcPct val="0"/>
+              </a:spcBef>
+              <a:spcAft>
+                <a:spcPct val="0"/>
+              </a:spcAft>
+            </a:pPr>
+            <a:r>
+              <a:rPr kumimoji="1" lang="en-US" altLang="ja-JP" sz="1200" dirty="0">
+                <a:solidFill>
+                  <a:schemeClr val="tx2"/>
+                </a:solidFill>
+                <a:cs typeface="Segoe UI" pitchFamily="34" charset="0"/>
+              </a:rPr>
+              <a:t>ASP.NET</a:t>
+            </a:r>
+            <a:endParaRPr kumimoji="1" lang="ja-JP" altLang="en-US" sz="1200" dirty="0">
+              <a:solidFill>
+                <a:schemeClr val="tx2"/>
+              </a:solidFill>
+              <a:cs typeface="Segoe UI" pitchFamily="34" charset="0"/>
+            </a:endParaRPr>
+          </a:p>
+        </p:txBody>
+      </p:sp>
+      <p:sp>
+        <p:nvSpPr>
+          <p:cNvPr id="11" name="四角形: 角を丸くする 10">
+            <a:extLst>
+              <a:ext uri="{FF2B5EF4-FFF2-40B4-BE49-F238E27FC236}">
+                <a16:creationId xmlns:a16="http://schemas.microsoft.com/office/drawing/2014/main" id="{9A129313-16FE-43B2-8F04-4F5DB3D15060}"/>
+              </a:ext>
+            </a:extLst>
+          </p:cNvPr>
+          <p:cNvSpPr/>
+          <p:nvPr/>
+        </p:nvSpPr>
+        <p:spPr bwMode="auto">
+          <a:xfrm>
+            <a:off x="2894786" y="3951831"/>
+            <a:ext cx="1096987" cy="337106"/>
+          </a:xfrm>
+          <a:prstGeom prst="roundRect">
+            <a:avLst/>
+          </a:prstGeom>
+          <a:ln>
+            <a:headEnd type="none" w="med" len="med"/>
+            <a:tailEnd type="none" w="med" len="med"/>
+          </a:ln>
+        </p:spPr>
+        <p:style>
+          <a:lnRef idx="1">
+            <a:schemeClr val="accent1"/>
+          </a:lnRef>
+          <a:fillRef idx="2">
+            <a:schemeClr val="accent1"/>
+          </a:fillRef>
+          <a:effectRef idx="1">
+            <a:schemeClr val="accent1"/>
+          </a:effectRef>
+          <a:fontRef idx="minor">
+            <a:schemeClr val="dk1"/>
+          </a:fontRef>
+        </p:style>
+        <p:txBody>
+          <a:bodyPr rot="0" spcFirstLastPara="0" vertOverflow="overflow" horzOverflow="overflow" vert="horz" wrap="none" lIns="182880" tIns="146304" rIns="182880" bIns="146304" numCol="1" spcCol="0" rtlCol="0" fromWordArt="0" anchor="ctr" anchorCtr="0" forceAA="0" compatLnSpc="1">
+            <a:prstTxWarp prst="textNoShape">
+              <a:avLst/>
+            </a:prstTxWarp>
+            <a:noAutofit/>
+          </a:bodyPr>
+          <a:lstStyle/>
+          <a:p>
+            <a:pPr algn="ctr" defTabSz="932472" fontAlgn="base">
+              <a:lnSpc>
+                <a:spcPct val="90000"/>
+              </a:lnSpc>
+              <a:spcBef>
+                <a:spcPct val="0"/>
+              </a:spcBef>
+              <a:spcAft>
+                <a:spcPct val="0"/>
+              </a:spcAft>
+            </a:pPr>
+            <a:r>
+              <a:rPr kumimoji="1" lang="en-US" altLang="ja-JP" sz="1200" dirty="0">
+                <a:solidFill>
+                  <a:schemeClr val="tx2"/>
+                </a:solidFill>
+                <a:cs typeface="Segoe UI" pitchFamily="34" charset="0"/>
+              </a:rPr>
+              <a:t>Application</a:t>
+            </a:r>
+            <a:endParaRPr kumimoji="1" lang="ja-JP" altLang="en-US" sz="1200" dirty="0">
+              <a:solidFill>
+                <a:schemeClr val="tx2"/>
+              </a:solidFill>
+              <a:cs typeface="Segoe UI" pitchFamily="34" charset="0"/>
+            </a:endParaRPr>
+          </a:p>
+        </p:txBody>
+      </p:sp>
+      <p:sp>
+        <p:nvSpPr>
+          <p:cNvPr id="12" name="左中かっこ 11">
+            <a:extLst>
+              <a:ext uri="{FF2B5EF4-FFF2-40B4-BE49-F238E27FC236}">
+                <a16:creationId xmlns:a16="http://schemas.microsoft.com/office/drawing/2014/main" id="{6399EC2E-FB06-47DF-92A6-6A6516453D8A}"/>
+              </a:ext>
+            </a:extLst>
+          </p:cNvPr>
+          <p:cNvSpPr/>
+          <p:nvPr/>
+        </p:nvSpPr>
+        <p:spPr>
+          <a:xfrm>
+            <a:off x="2651595" y="3892881"/>
+            <a:ext cx="205076" cy="1259609"/>
+          </a:xfrm>
+          <a:prstGeom prst="leftBrace">
+            <a:avLst/>
+          </a:prstGeom>
+          <a:ln>
+            <a:solidFill>
+              <a:schemeClr val="tx1"/>
+            </a:solidFill>
+            <a:headEnd type="none"/>
+            <a:tailEnd type="none"/>
+          </a:ln>
+        </p:spPr>
+        <p:style>
+          <a:lnRef idx="1">
+            <a:schemeClr val="accent1"/>
+          </a:lnRef>
+          <a:fillRef idx="0">
+            <a:schemeClr val="accent1"/>
+          </a:fillRef>
+          <a:effectRef idx="0">
+            <a:schemeClr val="accent1"/>
+          </a:effectRef>
+          <a:fontRef idx="minor">
+            <a:schemeClr val="tx1"/>
+          </a:fontRef>
+        </p:style>
+        <p:txBody>
+          <a:bodyPr rtlCol="0" anchor="ctr"/>
+          <a:lstStyle/>
+          <a:p>
+            <a:pPr algn="ctr"/>
+            <a:endParaRPr kumimoji="1" lang="ja-JP" altLang="en-US"/>
+          </a:p>
+        </p:txBody>
+      </p:sp>
+      <p:cxnSp>
+        <p:nvCxnSpPr>
+          <p:cNvPr id="13" name="直線矢印コネクタ 12">
+            <a:extLst>
+              <a:ext uri="{FF2B5EF4-FFF2-40B4-BE49-F238E27FC236}">
+                <a16:creationId xmlns:a16="http://schemas.microsoft.com/office/drawing/2014/main" id="{9D6C00F8-1844-40EF-9B61-B3C45C458C0E}"/>
+              </a:ext>
+            </a:extLst>
+          </p:cNvPr>
+          <p:cNvCxnSpPr>
+            <a:cxnSpLocks/>
+          </p:cNvCxnSpPr>
+          <p:nvPr/>
+        </p:nvCxnSpPr>
+        <p:spPr>
+          <a:xfrm>
+            <a:off x="1999314" y="4522685"/>
+            <a:ext cx="637789" cy="0"/>
+          </a:xfrm>
+          <a:prstGeom prst="straightConnector1">
+            <a:avLst/>
+          </a:prstGeom>
+          <a:ln>
+            <a:solidFill>
+              <a:schemeClr val="tx1"/>
+            </a:solidFill>
+            <a:headEnd type="none" w="med" len="med"/>
+            <a:tailEnd type="arrow" w="med" len="med"/>
+          </a:ln>
+        </p:spPr>
+        <p:style>
+          <a:lnRef idx="1">
+            <a:schemeClr val="accent1"/>
+          </a:lnRef>
+          <a:fillRef idx="0">
+            <a:schemeClr val="accent1"/>
+          </a:fillRef>
+          <a:effectRef idx="0">
+            <a:schemeClr val="accent1"/>
+          </a:effectRef>
+          <a:fontRef idx="minor">
+            <a:schemeClr val="tx1"/>
+          </a:fontRef>
+        </p:style>
+      </p:cxnSp>
+      <p:pic>
+        <p:nvPicPr>
+          <p:cNvPr id="14" name="グラフィックス 13">
+            <a:extLst>
+              <a:ext uri="{FF2B5EF4-FFF2-40B4-BE49-F238E27FC236}">
+                <a16:creationId xmlns:a16="http://schemas.microsoft.com/office/drawing/2014/main" id="{665844BF-C180-42C5-A87F-0660AB61DE7E}"/>
+              </a:ext>
+            </a:extLst>
+          </p:cNvPr>
+          <p:cNvPicPr>
+            <a:picLocks noChangeAspect="1"/>
+          </p:cNvPicPr>
+          <p:nvPr/>
+        </p:nvPicPr>
+        <p:blipFill>
+          <a:blip r:embed="rId5">
+            <a:extLst>
+              <a:ext uri="{96DAC541-7B7A-43D3-8B79-37D633B846F1}">
+                <asvg:svgBlip xmlns:asvg="http://schemas.microsoft.com/office/drawing/2016/SVG/main" r:embed="rId6"/>
+              </a:ext>
+            </a:extLst>
+          </a:blip>
+          <a:stretch>
+            <a:fillRect/>
+          </a:stretch>
+        </p:blipFill>
+        <p:spPr>
+          <a:xfrm>
+            <a:off x="1561944" y="2571442"/>
+            <a:ext cx="591895" cy="591895"/>
+          </a:xfrm>
+          <a:prstGeom prst="rect">
+            <a:avLst/>
+          </a:prstGeom>
+        </p:spPr>
+      </p:pic>
+      <p:cxnSp>
+        <p:nvCxnSpPr>
+          <p:cNvPr id="15" name="直線矢印コネクタ 14">
+            <a:extLst>
+              <a:ext uri="{FF2B5EF4-FFF2-40B4-BE49-F238E27FC236}">
+                <a16:creationId xmlns:a16="http://schemas.microsoft.com/office/drawing/2014/main" id="{E7FBF554-F72E-4C91-A82D-A2365B8C2B59}"/>
+              </a:ext>
+            </a:extLst>
+          </p:cNvPr>
+          <p:cNvCxnSpPr>
+            <a:cxnSpLocks/>
+          </p:cNvCxnSpPr>
+          <p:nvPr/>
+        </p:nvCxnSpPr>
+        <p:spPr>
+          <a:xfrm flipV="1">
+            <a:off x="1262261" y="3190092"/>
+            <a:ext cx="432792" cy="930293"/>
+          </a:xfrm>
+          <a:prstGeom prst="straightConnector1">
+            <a:avLst/>
+          </a:prstGeom>
+          <a:ln>
+            <a:solidFill>
+              <a:schemeClr val="tx1"/>
+            </a:solidFill>
+            <a:headEnd type="none" w="med" len="med"/>
+            <a:tailEnd type="arrow" w="med" len="med"/>
+          </a:ln>
+        </p:spPr>
+        <p:style>
+          <a:lnRef idx="1">
+            <a:schemeClr val="accent1"/>
+          </a:lnRef>
+          <a:fillRef idx="0">
+            <a:schemeClr val="accent1"/>
+          </a:fillRef>
+          <a:effectRef idx="0">
+            <a:schemeClr val="accent1"/>
+          </a:effectRef>
+          <a:fontRef idx="minor">
+            <a:schemeClr val="tx1"/>
+          </a:fontRef>
+        </p:style>
+      </p:cxnSp>
+      <p:sp>
+        <p:nvSpPr>
+          <p:cNvPr id="16" name="テキスト ボックス 15">
+            <a:extLst>
+              <a:ext uri="{FF2B5EF4-FFF2-40B4-BE49-F238E27FC236}">
+                <a16:creationId xmlns:a16="http://schemas.microsoft.com/office/drawing/2014/main" id="{2FD40D79-8A86-43E4-8DF3-91C1F84100BB}"/>
+              </a:ext>
+            </a:extLst>
+          </p:cNvPr>
+          <p:cNvSpPr txBox="1"/>
+          <p:nvPr/>
+        </p:nvSpPr>
+        <p:spPr>
+          <a:xfrm>
+            <a:off x="619127" y="5316894"/>
+            <a:ext cx="2140651" cy="464294"/>
+          </a:xfrm>
+          <a:prstGeom prst="rect">
+            <a:avLst/>
+          </a:prstGeom>
+          <a:noFill/>
+        </p:spPr>
+        <p:txBody>
+          <a:bodyPr wrap="none" lIns="182880" tIns="146304" rIns="182880" bIns="146304" rtlCol="0">
+            <a:spAutoFit/>
+          </a:bodyPr>
+          <a:lstStyle/>
+          <a:p>
+            <a:pPr algn="l">
+              <a:lnSpc>
+                <a:spcPct val="90000"/>
+              </a:lnSpc>
+              <a:spcAft>
+                <a:spcPts val="600"/>
+              </a:spcAft>
+            </a:pPr>
+            <a:r>
+              <a:rPr kumimoji="1" lang="ja-JP" altLang="en-US" sz="1200" dirty="0">
+                <a:gradFill>
+                  <a:gsLst>
+                    <a:gs pos="2917">
+                      <a:schemeClr val="tx1"/>
+                    </a:gs>
+                    <a:gs pos="30000">
+                      <a:schemeClr val="tx1"/>
+                    </a:gs>
+                  </a:gsLst>
+                  <a:lin ang="5400000" scaled="0"/>
+                </a:gradFill>
+              </a:rPr>
+              <a:t>オンプレミス </a:t>
+            </a:r>
+            <a:r>
+              <a:rPr kumimoji="1" lang="en-US" altLang="ja-JP" sz="1200" dirty="0">
+                <a:gradFill>
+                  <a:gsLst>
+                    <a:gs pos="2917">
+                      <a:schemeClr val="tx1"/>
+                    </a:gs>
+                    <a:gs pos="30000">
+                      <a:schemeClr val="tx1"/>
+                    </a:gs>
+                  </a:gsLst>
+                  <a:lin ang="5400000" scaled="0"/>
+                </a:gradFill>
+              </a:rPr>
+              <a:t>Web</a:t>
+            </a:r>
+            <a:r>
+              <a:rPr kumimoji="1" lang="ja-JP" altLang="en-US" sz="1200" dirty="0">
+                <a:gradFill>
+                  <a:gsLst>
+                    <a:gs pos="2917">
+                      <a:schemeClr val="tx1"/>
+                    </a:gs>
+                    <a:gs pos="30000">
+                      <a:schemeClr val="tx1"/>
+                    </a:gs>
+                  </a:gsLst>
+                  <a:lin ang="5400000" scaled="0"/>
+                </a:gradFill>
+              </a:rPr>
+              <a:t> サーバー</a:t>
+            </a:r>
+          </a:p>
+        </p:txBody>
+      </p:sp>
+      <p:sp>
+        <p:nvSpPr>
+          <p:cNvPr id="17" name="テキスト ボックス 16">
+            <a:extLst>
+              <a:ext uri="{FF2B5EF4-FFF2-40B4-BE49-F238E27FC236}">
+                <a16:creationId xmlns:a16="http://schemas.microsoft.com/office/drawing/2014/main" id="{F63CDC3D-7794-41CB-BF6C-B775E994E82E}"/>
+              </a:ext>
+            </a:extLst>
+          </p:cNvPr>
+          <p:cNvSpPr txBox="1"/>
+          <p:nvPr/>
+        </p:nvSpPr>
+        <p:spPr>
+          <a:xfrm>
+            <a:off x="1345122" y="2197368"/>
+            <a:ext cx="1040991" cy="464294"/>
+          </a:xfrm>
+          <a:prstGeom prst="rect">
+            <a:avLst/>
+          </a:prstGeom>
+          <a:noFill/>
+        </p:spPr>
+        <p:txBody>
+          <a:bodyPr wrap="none" lIns="182880" tIns="146304" rIns="182880" bIns="146304" rtlCol="0">
+            <a:spAutoFit/>
+          </a:bodyPr>
+          <a:lstStyle/>
+          <a:p>
+            <a:pPr algn="l">
+              <a:lnSpc>
+                <a:spcPct val="90000"/>
+              </a:lnSpc>
+              <a:spcAft>
+                <a:spcPts val="600"/>
+              </a:spcAft>
+            </a:pPr>
+            <a:r>
+              <a:rPr kumimoji="1" lang="en-US" altLang="ja-JP" sz="1200" dirty="0">
+                <a:gradFill>
+                  <a:gsLst>
+                    <a:gs pos="2917">
+                      <a:schemeClr val="tx1"/>
+                    </a:gs>
+                    <a:gs pos="30000">
+                      <a:schemeClr val="tx1"/>
+                    </a:gs>
+                  </a:gsLst>
+                  <a:lin ang="5400000" scaled="0"/>
+                </a:gradFill>
+              </a:rPr>
+              <a:t>Web</a:t>
+            </a:r>
+            <a:r>
+              <a:rPr kumimoji="1" lang="ja-JP" altLang="en-US" sz="1200" dirty="0">
+                <a:gradFill>
+                  <a:gsLst>
+                    <a:gs pos="2917">
+                      <a:schemeClr val="tx1"/>
+                    </a:gs>
+                    <a:gs pos="30000">
+                      <a:schemeClr val="tx1"/>
+                    </a:gs>
+                  </a:gsLst>
+                  <a:lin ang="5400000" scaled="0"/>
+                </a:gradFill>
+              </a:rPr>
+              <a:t> </a:t>
+            </a:r>
+            <a:r>
+              <a:rPr kumimoji="1" lang="en-US" altLang="ja-JP" sz="1200" dirty="0">
+                <a:gradFill>
+                  <a:gsLst>
+                    <a:gs pos="2917">
+                      <a:schemeClr val="tx1"/>
+                    </a:gs>
+                    <a:gs pos="30000">
+                      <a:schemeClr val="tx1"/>
+                    </a:gs>
+                  </a:gsLst>
+                  <a:lin ang="5400000" scaled="0"/>
+                </a:gradFill>
+              </a:rPr>
+              <a:t>App</a:t>
+            </a:r>
+            <a:endParaRPr kumimoji="1" lang="ja-JP" altLang="en-US" sz="1200" dirty="0">
+              <a:gradFill>
+                <a:gsLst>
+                  <a:gs pos="2917">
+                    <a:schemeClr val="tx1"/>
+                  </a:gs>
+                  <a:gs pos="30000">
+                    <a:schemeClr val="tx1"/>
+                  </a:gs>
+                </a:gsLst>
+                <a:lin ang="5400000" scaled="0"/>
+              </a:gradFill>
+            </a:endParaRPr>
+          </a:p>
+        </p:txBody>
+      </p:sp>
+    </p:spTree>
+    <p:extLst>
+      <p:ext uri="{BB962C8B-B14F-4D97-AF65-F5344CB8AC3E}">
+        <p14:creationId xmlns:p14="http://schemas.microsoft.com/office/powerpoint/2010/main" val="3107977001"/>
+      </p:ext>
+    </p:extLst>
+  </p:cSld>
+  <p:clrMapOvr>
+    <a:masterClrMapping/>
+  </p:clrMapOvr>
+</p:sld>
+</file>
+
 <file path=ppt/theme/theme1.xml><?xml version="1.0" encoding="utf-8"?>
 <a:theme xmlns:a="http://schemas.openxmlformats.org/drawingml/2006/main" name="Office テーマ">
   <a:themeElements>
